--- a/1. JavaScript Basics/jsschool_basicsjs.pptx
+++ b/1. JavaScript Basics/jsschool_basicsjs.pptx
@@ -5,7 +5,7 @@
     <p:sldMasterId id="2147483764" r:id="rId1"/>
   </p:sldMasterIdLst>
   <p:notesMasterIdLst>
-    <p:notesMasterId r:id="rId55"/>
+    <p:notesMasterId r:id="rId56"/>
   </p:notesMasterIdLst>
   <p:sldIdLst>
     <p:sldId id="257" r:id="rId2"/>
@@ -61,6 +61,7 @@
     <p:sldId id="325" r:id="rId52"/>
     <p:sldId id="329" r:id="rId53"/>
     <p:sldId id="327" r:id="rId54"/>
+    <p:sldId id="344" r:id="rId55"/>
   </p:sldIdLst>
   <p:sldSz cx="12192000" cy="6858000"/>
   <p:notesSz cx="6858000" cy="9144000"/>
@@ -17207,6 +17208,82 @@
 </p:sld>
 </file>
 
+<file path=ppt/slides/slide54.xml><?xml version="1.0" encoding="utf-8"?>
+<p:sld xmlns:a="http://schemas.openxmlformats.org/drawingml/2006/main" xmlns:r="http://schemas.openxmlformats.org/officeDocument/2006/relationships" xmlns:p="http://schemas.openxmlformats.org/presentationml/2006/main">
+  <p:cSld>
+    <p:spTree>
+      <p:nvGrpSpPr>
+        <p:cNvPr id="1" name=""/>
+        <p:cNvGrpSpPr/>
+        <p:nvPr/>
+      </p:nvGrpSpPr>
+      <p:grpSpPr>
+        <a:xfrm>
+          <a:off x="0" y="0"/>
+          <a:ext cx="0" cy="0"/>
+          <a:chOff x="0" y="0"/>
+          <a:chExt cx="0" cy="0"/>
+        </a:xfrm>
+      </p:grpSpPr>
+      <p:sp>
+        <p:nvSpPr>
+          <p:cNvPr id="2" name="Title 1"/>
+          <p:cNvSpPr>
+            <a:spLocks noGrp="1"/>
+          </p:cNvSpPr>
+          <p:nvPr>
+            <p:ph type="title"/>
+          </p:nvPr>
+        </p:nvSpPr>
+        <p:spPr/>
+        <p:txBody>
+          <a:bodyPr/>
+          <a:lstStyle/>
+          <a:p>
+            <a:r>
+              <a:rPr lang="hr-HR" dirty="0"/>
+              <a:t>Serverske aplikacije s NodeJS</a:t>
+            </a:r>
+            <a:endParaRPr lang="hr-HR" dirty="0"/>
+          </a:p>
+        </p:txBody>
+      </p:sp>
+      <p:sp>
+        <p:nvSpPr>
+          <p:cNvPr id="3" name="Text Placeholder 2"/>
+          <p:cNvSpPr>
+            <a:spLocks noGrp="1"/>
+          </p:cNvSpPr>
+          <p:nvPr>
+            <p:ph type="body" idx="1"/>
+          </p:nvPr>
+        </p:nvSpPr>
+        <p:spPr/>
+        <p:txBody>
+          <a:bodyPr/>
+          <a:lstStyle/>
+          <a:p>
+            <a:r>
+              <a:rPr lang="hr-HR" dirty="0"/>
+              <a:t>Next time...</a:t>
+            </a:r>
+            <a:endParaRPr lang="hr-HR" dirty="0"/>
+          </a:p>
+        </p:txBody>
+      </p:sp>
+    </p:spTree>
+    <p:extLst>
+      <p:ext uri="{BB962C8B-B14F-4D97-AF65-F5344CB8AC3E}">
+        <p14:creationId xmlns:p14="http://schemas.microsoft.com/office/powerpoint/2010/main" val="84033430"/>
+      </p:ext>
+    </p:extLst>
+  </p:cSld>
+  <p:clrMapOvr>
+    <a:masterClrMapping/>
+  </p:clrMapOvr>
+</p:sld>
+</file>
+
 <file path=ppt/slides/slide6.xml><?xml version="1.0" encoding="utf-8"?>
 <p:sld xmlns:a="http://schemas.openxmlformats.org/drawingml/2006/main" xmlns:r="http://schemas.openxmlformats.org/officeDocument/2006/relationships" xmlns:p="http://schemas.openxmlformats.org/presentationml/2006/main">
   <p:cSld>

--- a/1. JavaScript Basics/jsschool_basicsjs.pptx
+++ b/1. JavaScript Basics/jsschool_basicsjs.pptx
@@ -253,7 +253,7 @@
           <a:p>
             <a:fld id="{5B439031-0BF2-42EE-A111-32E398F72642}" type="datetimeFigureOut">
               <a:rPr lang="hr-HR" smtClean="0"/>
-              <a:t>13.03.2017</a:t>
+              <a:t>14.03.2017</a:t>
             </a:fld>
             <a:endParaRPr lang="hr-HR"/>
           </a:p>
@@ -652,7 +652,7 @@
           <a:p>
             <a:fld id="{1D8B35F5-AA5A-4391-A49E-03B177C59B30}" type="datetimeFigureOut">
               <a:rPr lang="hr-HR" smtClean="0"/>
-              <a:t>13.03.2017</a:t>
+              <a:t>14.03.2017</a:t>
             </a:fld>
             <a:endParaRPr lang="hr-HR"/>
           </a:p>
@@ -822,7 +822,7 @@
           <a:p>
             <a:fld id="{1D8B35F5-AA5A-4391-A49E-03B177C59B30}" type="datetimeFigureOut">
               <a:rPr lang="hr-HR" smtClean="0"/>
-              <a:t>13.03.2017</a:t>
+              <a:t>14.03.2017</a:t>
             </a:fld>
             <a:endParaRPr lang="hr-HR"/>
           </a:p>
@@ -1002,7 +1002,7 @@
           <a:p>
             <a:fld id="{1D8B35F5-AA5A-4391-A49E-03B177C59B30}" type="datetimeFigureOut">
               <a:rPr lang="hr-HR" smtClean="0"/>
-              <a:t>13.03.2017</a:t>
+              <a:t>14.03.2017</a:t>
             </a:fld>
             <a:endParaRPr lang="hr-HR"/>
           </a:p>
@@ -1173,7 +1173,7 @@
           <a:p>
             <a:fld id="{1D8B35F5-AA5A-4391-A49E-03B177C59B30}" type="datetimeFigureOut">
               <a:rPr lang="hr-HR" smtClean="0"/>
-              <a:t>13.03.2017</a:t>
+              <a:t>14.03.2017</a:t>
             </a:fld>
             <a:endParaRPr lang="hr-HR"/>
           </a:p>
@@ -1343,7 +1343,7 @@
           <a:p>
             <a:fld id="{1D8B35F5-AA5A-4391-A49E-03B177C59B30}" type="datetimeFigureOut">
               <a:rPr lang="hr-HR" smtClean="0"/>
-              <a:t>13.03.2017</a:t>
+              <a:t>14.03.2017</a:t>
             </a:fld>
             <a:endParaRPr lang="hr-HR"/>
           </a:p>
@@ -1589,7 +1589,7 @@
           <a:p>
             <a:fld id="{1D8B35F5-AA5A-4391-A49E-03B177C59B30}" type="datetimeFigureOut">
               <a:rPr lang="hr-HR" smtClean="0"/>
-              <a:t>13.03.2017</a:t>
+              <a:t>14.03.2017</a:t>
             </a:fld>
             <a:endParaRPr lang="hr-HR"/>
           </a:p>
@@ -1821,7 +1821,7 @@
           <a:p>
             <a:fld id="{1D8B35F5-AA5A-4391-A49E-03B177C59B30}" type="datetimeFigureOut">
               <a:rPr lang="hr-HR" smtClean="0"/>
-              <a:t>13.03.2017</a:t>
+              <a:t>14.03.2017</a:t>
             </a:fld>
             <a:endParaRPr lang="hr-HR"/>
           </a:p>
@@ -2188,7 +2188,7 @@
           <a:p>
             <a:fld id="{1D8B35F5-AA5A-4391-A49E-03B177C59B30}" type="datetimeFigureOut">
               <a:rPr lang="hr-HR" smtClean="0"/>
-              <a:t>13.03.2017</a:t>
+              <a:t>14.03.2017</a:t>
             </a:fld>
             <a:endParaRPr lang="hr-HR"/>
           </a:p>
@@ -2306,7 +2306,7 @@
           <a:p>
             <a:fld id="{1D8B35F5-AA5A-4391-A49E-03B177C59B30}" type="datetimeFigureOut">
               <a:rPr lang="hr-HR" smtClean="0"/>
-              <a:t>13.03.2017</a:t>
+              <a:t>14.03.2017</a:t>
             </a:fld>
             <a:endParaRPr lang="hr-HR"/>
           </a:p>
@@ -2477,7 +2477,7 @@
           <a:p>
             <a:fld id="{1D8B35F5-AA5A-4391-A49E-03B177C59B30}" type="datetimeFigureOut">
               <a:rPr lang="hr-HR" smtClean="0"/>
-              <a:t>13.03.2017</a:t>
+              <a:t>14.03.2017</a:t>
             </a:fld>
             <a:endParaRPr lang="hr-HR"/>
           </a:p>
@@ -2754,7 +2754,7 @@
           <a:p>
             <a:fld id="{1D8B35F5-AA5A-4391-A49E-03B177C59B30}" type="datetimeFigureOut">
               <a:rPr lang="hr-HR" smtClean="0"/>
-              <a:t>13.03.2017</a:t>
+              <a:t>14.03.2017</a:t>
             </a:fld>
             <a:endParaRPr lang="hr-HR"/>
           </a:p>
@@ -3011,7 +3011,7 @@
           <a:p>
             <a:fld id="{1D8B35F5-AA5A-4391-A49E-03B177C59B30}" type="datetimeFigureOut">
               <a:rPr lang="hr-HR" smtClean="0"/>
-              <a:t>13.03.2017</a:t>
+              <a:t>14.03.2017</a:t>
             </a:fld>
             <a:endParaRPr lang="hr-HR"/>
           </a:p>
@@ -3224,7 +3224,7 @@
           <a:p>
             <a:fld id="{1D8B35F5-AA5A-4391-A49E-03B177C59B30}" type="datetimeFigureOut">
               <a:rPr lang="hr-HR" smtClean="0"/>
-              <a:t>13.03.2017</a:t>
+              <a:t>14.03.2017</a:t>
             </a:fld>
             <a:endParaRPr lang="hr-HR"/>
           </a:p>
@@ -3699,13 +3699,10 @@
               <a:t> </a:t>
             </a:r>
             <a:r>
-              <a:rPr lang="en-US" sz="3600" dirty="0" err="1"/>
+              <a:rPr lang="en-US" sz="3600"/>
               <a:t>JavaSripta</a:t>
             </a:r>
-            <a:r>
-              <a:rPr lang="en-US" sz="3600" dirty="0"/>
-              <a:t>-a</a:t>
-            </a:r>
+            <a:endParaRPr lang="en-US" sz="3600" dirty="0"/>
           </a:p>
         </p:txBody>
       </p:sp>
@@ -17244,7 +17241,6 @@
               <a:rPr lang="hr-HR" dirty="0"/>
               <a:t>Serverske aplikacije s NodeJS</a:t>
             </a:r>
-            <a:endParaRPr lang="hr-HR" dirty="0"/>
           </a:p>
         </p:txBody>
       </p:sp>
@@ -17267,7 +17263,6 @@
               <a:rPr lang="hr-HR" dirty="0"/>
               <a:t>Next time...</a:t>
             </a:r>
-            <a:endParaRPr lang="hr-HR" dirty="0"/>
           </a:p>
         </p:txBody>
       </p:sp>
